--- a/Dunai Krisztián János/Algoritmus.pptx
+++ b/Dunai Krisztián János/Algoritmus.pptx
@@ -307,7 +307,7 @@
           <a:p>
             <a:fld id="{4AAD347D-5ACD-4C99-B74B-A9C85AD731AF}" type="datetimeFigureOut">
               <a:rPr lang="en-US" dirty="0"/>
-              <a:t>11/10/23</a:t>
+              <a:t>11/17/23</a:t>
             </a:fld>
             <a:endParaRPr lang="en-US" dirty="0"/>
           </a:p>
@@ -577,7 +577,7 @@
           <a:p>
             <a:fld id="{4509A250-FF31-4206-8172-F9D3106AACB1}" type="datetimeFigureOut">
               <a:rPr lang="en-US" dirty="0"/>
-              <a:t>11/10/23</a:t>
+              <a:t>11/17/23</a:t>
             </a:fld>
             <a:endParaRPr lang="en-US" dirty="0"/>
           </a:p>
@@ -766,7 +766,7 @@
           <a:p>
             <a:fld id="{4509A250-FF31-4206-8172-F9D3106AACB1}" type="datetimeFigureOut">
               <a:rPr lang="en-US" dirty="0"/>
-              <a:t>11/10/23</a:t>
+              <a:t>11/17/23</a:t>
             </a:fld>
             <a:endParaRPr lang="en-US" dirty="0"/>
           </a:p>
@@ -1034,7 +1034,7 @@
           <a:p>
             <a:fld id="{4509A250-FF31-4206-8172-F9D3106AACB1}" type="datetimeFigureOut">
               <a:rPr lang="en-US" dirty="0"/>
-              <a:t>11/10/23</a:t>
+              <a:t>11/17/23</a:t>
             </a:fld>
             <a:endParaRPr lang="en-US" dirty="0"/>
           </a:p>
@@ -1370,7 +1370,7 @@
           <a:p>
             <a:fld id="{4509A250-FF31-4206-8172-F9D3106AACB1}" type="datetimeFigureOut">
               <a:rPr lang="en-US" dirty="0"/>
-              <a:t>11/10/23</a:t>
+              <a:t>11/17/23</a:t>
             </a:fld>
             <a:endParaRPr lang="en-US" dirty="0"/>
           </a:p>
@@ -1988,7 +1988,7 @@
           <a:p>
             <a:fld id="{4509A250-FF31-4206-8172-F9D3106AACB1}" type="datetimeFigureOut">
               <a:rPr lang="en-US" dirty="0"/>
-              <a:t>11/10/23</a:t>
+              <a:t>11/17/23</a:t>
             </a:fld>
             <a:endParaRPr lang="en-US" dirty="0"/>
           </a:p>
@@ -2843,7 +2843,7 @@
           <a:p>
             <a:fld id="{4509A250-FF31-4206-8172-F9D3106AACB1}" type="datetimeFigureOut">
               <a:rPr lang="en-US" dirty="0"/>
-              <a:t>11/10/23</a:t>
+              <a:t>11/17/23</a:t>
             </a:fld>
             <a:endParaRPr lang="en-US" dirty="0"/>
           </a:p>
@@ -3008,7 +3008,7 @@
           <a:p>
             <a:fld id="{4509A250-FF31-4206-8172-F9D3106AACB1}" type="datetimeFigureOut">
               <a:rPr lang="en-US" dirty="0"/>
-              <a:t>11/10/23</a:t>
+              <a:t>11/17/23</a:t>
             </a:fld>
             <a:endParaRPr lang="en-US" dirty="0"/>
           </a:p>
@@ -3183,7 +3183,7 @@
           <a:p>
             <a:fld id="{4509A250-FF31-4206-8172-F9D3106AACB1}" type="datetimeFigureOut">
               <a:rPr lang="en-US" dirty="0"/>
-              <a:t>11/10/23</a:t>
+              <a:t>11/17/23</a:t>
             </a:fld>
             <a:endParaRPr lang="en-US" dirty="0"/>
           </a:p>
@@ -3348,7 +3348,7 @@
           <a:p>
             <a:fld id="{4509A250-FF31-4206-8172-F9D3106AACB1}" type="datetimeFigureOut">
               <a:rPr lang="en-US" dirty="0"/>
-              <a:t>11/10/23</a:t>
+              <a:t>11/17/23</a:t>
             </a:fld>
             <a:endParaRPr lang="en-US" dirty="0"/>
           </a:p>
@@ -3590,7 +3590,7 @@
           <a:p>
             <a:fld id="{9796027F-7875-4030-9381-8BD8C4F21935}" type="datetimeFigureOut">
               <a:rPr lang="en-US" dirty="0"/>
-              <a:t>11/10/23</a:t>
+              <a:t>11/17/23</a:t>
             </a:fld>
             <a:endParaRPr lang="en-US" dirty="0"/>
           </a:p>
@@ -3877,7 +3877,7 @@
           <a:p>
             <a:fld id="{9796027F-7875-4030-9381-8BD8C4F21935}" type="datetimeFigureOut">
               <a:rPr lang="en-US" dirty="0"/>
-              <a:t>11/10/23</a:t>
+              <a:t>11/17/23</a:t>
             </a:fld>
             <a:endParaRPr lang="en-US" dirty="0"/>
           </a:p>
@@ -4316,7 +4316,7 @@
           <a:p>
             <a:fld id="{9796027F-7875-4030-9381-8BD8C4F21935}" type="datetimeFigureOut">
               <a:rPr lang="en-US" dirty="0"/>
-              <a:t>11/10/23</a:t>
+              <a:t>11/17/23</a:t>
             </a:fld>
             <a:endParaRPr lang="en-US" dirty="0"/>
           </a:p>
@@ -4429,7 +4429,7 @@
           <a:p>
             <a:fld id="{4509A250-FF31-4206-8172-F9D3106AACB1}" type="datetimeFigureOut">
               <a:rPr lang="en-US" dirty="0"/>
-              <a:t>11/10/23</a:t>
+              <a:t>11/17/23</a:t>
             </a:fld>
             <a:endParaRPr lang="en-US" dirty="0"/>
           </a:p>
@@ -4519,7 +4519,7 @@
           <a:p>
             <a:fld id="{4509A250-FF31-4206-8172-F9D3106AACB1}" type="datetimeFigureOut">
               <a:rPr lang="en-US" dirty="0"/>
-              <a:t>11/10/23</a:t>
+              <a:t>11/17/23</a:t>
             </a:fld>
             <a:endParaRPr lang="en-US" dirty="0"/>
           </a:p>
@@ -4793,7 +4793,7 @@
           <a:p>
             <a:fld id="{4509A250-FF31-4206-8172-F9D3106AACB1}" type="datetimeFigureOut">
               <a:rPr lang="en-US" dirty="0"/>
-              <a:t>11/10/23</a:t>
+              <a:t>11/17/23</a:t>
             </a:fld>
             <a:endParaRPr lang="en-US" dirty="0"/>
           </a:p>
@@ -5063,7 +5063,7 @@
           <a:p>
             <a:fld id="{4509A250-FF31-4206-8172-F9D3106AACB1}" type="datetimeFigureOut">
               <a:rPr lang="en-US" dirty="0"/>
-              <a:t>11/10/23</a:t>
+              <a:t>11/17/23</a:t>
             </a:fld>
             <a:endParaRPr lang="en-US" dirty="0"/>
           </a:p>
@@ -5487,7 +5487,7 @@
           <a:p>
             <a:fld id="{4AAD347D-5ACD-4C99-B74B-A9C85AD731AF}" type="datetimeFigureOut">
               <a:rPr lang="en-US" dirty="0"/>
-              <a:t>11/10/23</a:t>
+              <a:t>11/17/23</a:t>
             </a:fld>
             <a:endParaRPr lang="en-US" dirty="0"/>
           </a:p>
@@ -6445,7 +6445,7 @@
                 <a:effectLst/>
                 <a:latin typeface="Century Gothic" panose="020B0502020202020204" pitchFamily="34" charset="0"/>
               </a:rPr>
-              <a:t>Az algoritmus fontossága a programozásban</a:t>
+              <a:t>Az algoritmus előnyei</a:t>
             </a:r>
           </a:p>
         </p:txBody>
@@ -6469,7 +6469,7 @@
         <p:spPr>
           <a:xfrm>
             <a:off x="648930" y="1724628"/>
-            <a:ext cx="6747293" cy="4499191"/>
+            <a:ext cx="6747293" cy="4719715"/>
           </a:xfrm>
         </p:spPr>
         <p:txBody>
@@ -6498,6 +6498,20 @@
               </a:lnSpc>
               <a:buNone/>
             </a:pPr>
+            <a:endParaRPr lang="hu-HU" sz="1600" dirty="0">
+              <a:solidFill>
+                <a:srgbClr val="FFFFFF"/>
+              </a:solidFill>
+              <a:latin typeface="Söhne"/>
+            </a:endParaRPr>
+          </a:p>
+          <a:p>
+            <a:pPr marL="0" indent="0">
+              <a:lnSpc>
+                <a:spcPct val="90000"/>
+              </a:lnSpc>
+              <a:buNone/>
+            </a:pPr>
             <a:r>
               <a:rPr lang="hu-HU" sz="1800" b="1" i="0" dirty="0">
                 <a:solidFill>
@@ -6506,18 +6520,45 @@
                 <a:effectLst/>
                 <a:latin typeface="Söhne"/>
               </a:rPr>
-              <a:t>Hatékonyság:</a:t>
-            </a:r>
-            <a:r>
-              <a:rPr lang="hu-HU" sz="1800" b="0" i="0" dirty="0">
+              <a:t>Hatékonyság</a:t>
+            </a:r>
+            <a:endParaRPr lang="hu-HU" sz="1800" b="1" dirty="0">
+              <a:solidFill>
+                <a:srgbClr val="FFFFFF"/>
+              </a:solidFill>
+              <a:latin typeface="Söhne"/>
+            </a:endParaRPr>
+          </a:p>
+          <a:p>
+            <a:pPr marL="0" indent="0">
+              <a:lnSpc>
+                <a:spcPct val="90000"/>
+              </a:lnSpc>
+              <a:buNone/>
+            </a:pPr>
+            <a:r>
+              <a:rPr lang="hu-HU" b="1" dirty="0">
                 <a:solidFill>
                   <a:srgbClr val="FFFFFF"/>
                 </a:solidFill>
-                <a:effectLst/>
                 <a:latin typeface="Söhne"/>
               </a:rPr>
-              <a:t> Az algoritmusok segítenek optimalizálni a kódot és minimalizálni a szükséges erőforrásokat, ezáltal javítva a programok futási idejét és teljesítményét.</a:t>
-            </a:r>
+              <a:t>ENERGIA ÉS IDŐHATÉKONY</a:t>
+            </a:r>
+          </a:p>
+          <a:p>
+            <a:pPr marL="0" indent="0">
+              <a:lnSpc>
+                <a:spcPct val="90000"/>
+              </a:lnSpc>
+              <a:buNone/>
+            </a:pPr>
+            <a:endParaRPr lang="hu-HU" sz="1600" b="1" dirty="0">
+              <a:solidFill>
+                <a:srgbClr val="FFFFFF"/>
+              </a:solidFill>
+              <a:latin typeface="Söhne"/>
+            </a:endParaRPr>
           </a:p>
           <a:p>
             <a:pPr marL="0" indent="0">
@@ -6548,18 +6589,32 @@
                 <a:effectLst/>
                 <a:latin typeface="Söhne"/>
               </a:rPr>
-              <a:t>Működési logika:</a:t>
-            </a:r>
-            <a:r>
-              <a:rPr lang="hu-HU" sz="1800" b="0" i="0" dirty="0">
+              <a:t>Működési logika</a:t>
+            </a:r>
+          </a:p>
+          <a:p>
+            <a:pPr marL="0" indent="0">
+              <a:lnSpc>
+                <a:spcPct val="90000"/>
+              </a:lnSpc>
+              <a:buNone/>
+            </a:pPr>
+            <a:r>
+              <a:rPr lang="hu-HU" b="1" dirty="0">
                 <a:solidFill>
                   <a:srgbClr val="FFFFFF"/>
                 </a:solidFill>
-                <a:effectLst/>
                 <a:latin typeface="Söhne"/>
               </a:rPr>
-              <a:t> Az algoritmusok segítenek strukturálni a problémákat, és logikus lépésekre bontják azokat. Ez elősegíti a fejlesztők számára a gondolkodást és az adott feladatok hatékonyabb megközelítését.</a:t>
-            </a:r>
+              <a:t>EGYSZERŰ ÉS KÖNNYŰ MŰKÖDÉS</a:t>
+            </a:r>
+            <a:endParaRPr lang="hu-HU" b="1" i="0" dirty="0">
+              <a:solidFill>
+                <a:srgbClr val="FFFFFF"/>
+              </a:solidFill>
+              <a:effectLst/>
+              <a:latin typeface="Söhne"/>
+            </a:endParaRPr>
           </a:p>
           <a:p>
             <a:pPr marL="0" indent="0">
@@ -6582,6 +6637,20 @@
               </a:lnSpc>
               <a:buNone/>
             </a:pPr>
+            <a:endParaRPr lang="hu-HU" sz="1600" dirty="0">
+              <a:solidFill>
+                <a:srgbClr val="FFFFFF"/>
+              </a:solidFill>
+              <a:latin typeface="Söhne"/>
+            </a:endParaRPr>
+          </a:p>
+          <a:p>
+            <a:pPr marL="0" indent="0">
+              <a:lnSpc>
+                <a:spcPct val="90000"/>
+              </a:lnSpc>
+              <a:buNone/>
+            </a:pPr>
             <a:r>
               <a:rPr lang="hu-HU" sz="1800" b="1" i="0" dirty="0">
                 <a:solidFill>
@@ -6590,18 +6659,33 @@
                 <a:effectLst/>
                 <a:latin typeface="Söhne"/>
               </a:rPr>
-              <a:t>Skálázhatóság:</a:t>
-            </a:r>
-            <a:r>
-              <a:rPr lang="hu-HU" sz="1800" b="0" i="0" dirty="0">
+              <a:t>Skálázhatóság</a:t>
+            </a:r>
+          </a:p>
+          <a:p>
+            <a:pPr marL="0" indent="0">
+              <a:lnSpc>
+                <a:spcPct val="90000"/>
+              </a:lnSpc>
+              <a:buNone/>
+            </a:pPr>
+            <a:r>
+              <a:rPr lang="hu-HU" b="1" i="0" dirty="0">
                 <a:solidFill>
                   <a:srgbClr val="FFFFFF"/>
                 </a:solidFill>
                 <a:effectLst/>
                 <a:latin typeface="Söhne"/>
               </a:rPr>
-              <a:t> Az algoritmusok alkalmazkodhatnak a különböző méretű adathalmazokhoz és problémákhoz, így lehetővé téve a fejlesztők számára, hogy az alkalmazásokat szélesebb körben alkalmazzák.</a:t>
-            </a:r>
+              <a:t>TESTRESZABHATÓ, BŐVÍTHETŐ</a:t>
+            </a:r>
+            <a:endParaRPr lang="hu-HU" b="0" i="0" dirty="0">
+              <a:solidFill>
+                <a:srgbClr val="FFFFFF"/>
+              </a:solidFill>
+              <a:effectLst/>
+              <a:latin typeface="Söhne"/>
+            </a:endParaRPr>
           </a:p>
         </p:txBody>
       </p:sp>
@@ -7180,6 +7264,30 @@
 <file path=ppt/slides/slide3.xml><?xml version="1.0" encoding="utf-8"?>
 <p:sld xmlns:a="http://schemas.openxmlformats.org/drawingml/2006/main" xmlns:r="http://schemas.openxmlformats.org/officeDocument/2006/relationships" xmlns:p="http://schemas.openxmlformats.org/presentationml/2006/main">
   <p:cSld>
+    <p:bg>
+      <p:bgPr>
+        <a:blipFill rotWithShape="1">
+          <a:blip r:embed="rId2">
+            <a:duotone>
+              <a:schemeClr val="bg2">
+                <a:shade val="69000"/>
+                <a:hueMod val="108000"/>
+                <a:satMod val="164000"/>
+                <a:lumMod val="74000"/>
+              </a:schemeClr>
+              <a:schemeClr val="bg2">
+                <a:tint val="96000"/>
+                <a:hueMod val="88000"/>
+                <a:satMod val="140000"/>
+                <a:lumMod val="132000"/>
+              </a:schemeClr>
+            </a:duotone>
+          </a:blip>
+          <a:stretch/>
+        </a:blipFill>
+        <a:effectLst/>
+      </p:bgPr>
+    </p:bg>
     <p:spTree>
       <p:nvGrpSpPr>
         <p:cNvPr id="1" name=""/>
@@ -7210,20 +7318,24 @@
             <p:ph type="title"/>
           </p:nvPr>
         </p:nvSpPr>
-        <p:spPr/>
-        <p:txBody>
-          <a:bodyPr/>
+        <p:spPr>
+          <a:xfrm>
+            <a:off x="648930" y="629266"/>
+            <a:ext cx="9252154" cy="1223983"/>
+          </a:xfrm>
+        </p:spPr>
+        <p:txBody>
+          <a:bodyPr>
+            <a:normAutofit/>
+          </a:bodyPr>
           <a:lstStyle/>
           <a:p>
             <a:r>
-              <a:rPr lang="hu-HU" sz="4400" b="1" i="0" dirty="0">
-                <a:solidFill>
-                  <a:srgbClr val="EBEBEB"/>
-                </a:solidFill>
+              <a:rPr lang="hu-HU" b="1" i="0">
                 <a:effectLst/>
                 <a:latin typeface="Century Gothic" panose="020B0502020202020204" pitchFamily="34" charset="0"/>
               </a:rPr>
-              <a:t>Rövid áttekintés a C# nyelvről és alapvető funkcióiról</a:t>
+              <a:t>Rövid áttekintés a C# nyelvről </a:t>
             </a:r>
             <a:endParaRPr lang="hu-HU" dirty="0"/>
           </a:p>
@@ -7247,8 +7359,8 @@
         </p:nvSpPr>
         <p:spPr>
           <a:xfrm>
-            <a:off x="646111" y="2029768"/>
-            <a:ext cx="11322112" cy="4556227"/>
+            <a:off x="1103311" y="2052214"/>
+            <a:ext cx="5803129" cy="4196185"/>
           </a:xfrm>
         </p:spPr>
         <p:txBody>
@@ -7261,55 +7373,66 @@
               <a:buNone/>
             </a:pPr>
             <a:r>
-              <a:rPr lang="hu-HU" sz="2000" b="1" i="0" dirty="0">
-                <a:solidFill>
-                  <a:srgbClr val="FFFFFF"/>
-                </a:solidFill>
+              <a:rPr lang="hu-HU" b="1" i="0">
                 <a:effectLst/>
                 <a:latin typeface="Söhne"/>
               </a:rPr>
-              <a:t>Objektumorientált nyelv: </a:t>
-            </a:r>
-            <a:r>
-              <a:rPr lang="hu-HU" b="0" i="0" dirty="0">
-                <a:solidFill>
-                  <a:srgbClr val="D1D5DB"/>
-                </a:solidFill>
-                <a:effectLst/>
+              <a:t>- Objektumorientált nyelv</a:t>
+            </a:r>
+          </a:p>
+          <a:p>
+            <a:pPr marL="0" indent="0">
+              <a:buNone/>
+            </a:pPr>
+            <a:endParaRPr lang="hu-HU" b="1">
+              <a:latin typeface="Söhne"/>
+            </a:endParaRPr>
+          </a:p>
+          <a:p>
+            <a:pPr marL="0" indent="0">
+              <a:buNone/>
+            </a:pPr>
+            <a:r>
+              <a:rPr lang="hu-HU" b="1">
                 <a:latin typeface="Söhne"/>
               </a:rPr>
-              <a:t>az alkalmazásokat objektumok és osztályok segítségével strukturálja.</a:t>
-            </a:r>
-            <a:endParaRPr lang="hu-HU" sz="2000" b="1" i="0" dirty="0">
-              <a:solidFill>
-                <a:srgbClr val="FFFFFF"/>
-              </a:solidFill>
-              <a:effectLst/>
+              <a:t>- Platformfüggetlen</a:t>
+            </a:r>
+          </a:p>
+          <a:p>
+            <a:pPr marL="0" indent="0">
+              <a:buNone/>
+            </a:pPr>
+            <a:endParaRPr lang="hu-HU" b="1">
               <a:latin typeface="Söhne"/>
             </a:endParaRPr>
           </a:p>
           <a:p>
-            <a:pPr marL="0" indent="0" algn="l">
+            <a:pPr marL="0" indent="0">
               <a:buNone/>
             </a:pPr>
             <a:r>
-              <a:rPr lang="hu-HU" b="1" dirty="0">
-                <a:solidFill>
-                  <a:srgbClr val="FFFFFF"/>
-                </a:solidFill>
+              <a:rPr lang="hu-HU" b="1">
                 <a:latin typeface="Söhne"/>
               </a:rPr>
-              <a:t>Platformfüggetlen: </a:t>
-            </a:r>
-            <a:r>
-              <a:rPr lang="hu-HU" b="0" i="0" dirty="0">
-                <a:solidFill>
-                  <a:srgbClr val="D1D5DB"/>
-                </a:solidFill>
-                <a:effectLst/>
+              <a:t>- Függvények és metódusok használata</a:t>
+            </a:r>
+          </a:p>
+          <a:p>
+            <a:pPr marL="0" indent="0">
+              <a:buNone/>
+            </a:pPr>
+            <a:endParaRPr lang="hu-HU" dirty="0"/>
+          </a:p>
+          <a:p>
+            <a:pPr marL="0" indent="0">
+              <a:buNone/>
+            </a:pPr>
+            <a:r>
+              <a:rPr lang="hu-HU" b="1">
                 <a:latin typeface="Söhne"/>
               </a:rPr>
-              <a:t>kód hordozhatóságát és a .NET keretrendszeren való futtatását különböző környezetekben.</a:t>
+              <a:t>- Változók és konstansok</a:t>
             </a:r>
           </a:p>
           <a:p>
@@ -7319,161 +7442,54 @@
             <a:endParaRPr lang="hu-HU" dirty="0"/>
           </a:p>
           <a:p>
-            <a:pPr marL="0" indent="0" algn="l">
+            <a:pPr marL="0" indent="0">
               <a:buNone/>
             </a:pPr>
             <a:r>
-              <a:rPr lang="hu-HU" b="1" dirty="0">
-                <a:solidFill>
-                  <a:srgbClr val="FFFFFF"/>
-                </a:solidFill>
+              <a:rPr lang="hu-HU" b="1">
                 <a:latin typeface="Söhne"/>
               </a:rPr>
-              <a:t>Adattípusok: </a:t>
-            </a:r>
-            <a:r>
-              <a:rPr lang="hu-HU" i="0" dirty="0">
-                <a:solidFill>
-                  <a:srgbClr val="D1D5DB"/>
-                </a:solidFill>
-                <a:effectLst/>
-                <a:latin typeface="Söhne"/>
-              </a:rPr>
-              <a:t> </a:t>
-            </a:r>
-            <a:r>
-              <a:rPr lang="hu-HU" b="0" i="0" dirty="0">
-                <a:solidFill>
-                  <a:srgbClr val="D1D5DB"/>
-                </a:solidFill>
-                <a:effectLst/>
-                <a:latin typeface="Söhne"/>
-              </a:rPr>
-              <a:t>A C# számos előre definiált adattípust kínál, beleértve az egész számokat, lebegőpontos számokat, karaktereket és szövegeket.</a:t>
-            </a:r>
-          </a:p>
-          <a:p>
-            <a:pPr marL="0" indent="0" algn="l">
-              <a:buNone/>
-            </a:pPr>
-            <a:r>
-              <a:rPr lang="hu-HU" b="1" dirty="0">
-                <a:solidFill>
-                  <a:srgbClr val="FFFFFF"/>
-                </a:solidFill>
-                <a:latin typeface="Söhne"/>
-              </a:rPr>
-              <a:t>Változók és konstansok: </a:t>
-            </a:r>
-            <a:r>
-              <a:rPr lang="hu-HU" b="0" i="0" dirty="0">
-                <a:solidFill>
-                  <a:srgbClr val="D1D5DB"/>
-                </a:solidFill>
-                <a:effectLst/>
-                <a:latin typeface="Söhne"/>
-              </a:rPr>
-              <a:t>A változók és konstansok lehetővé teszik az értékek tárolását és azok </a:t>
-            </a:r>
-            <a:r>
-              <a:rPr lang="hu-HU" b="0" i="0" dirty="0" err="1">
-                <a:solidFill>
-                  <a:srgbClr val="D1D5DB"/>
-                </a:solidFill>
-                <a:effectLst/>
-                <a:latin typeface="Söhne"/>
-              </a:rPr>
-              <a:t>újrahasznosítását</a:t>
-            </a:r>
-            <a:r>
-              <a:rPr lang="hu-HU" b="0" i="0" dirty="0">
-                <a:solidFill>
-                  <a:srgbClr val="D1D5DB"/>
-                </a:solidFill>
-                <a:effectLst/>
-                <a:latin typeface="Söhne"/>
-              </a:rPr>
-              <a:t> a kódban.</a:t>
-            </a:r>
-          </a:p>
-          <a:p>
-            <a:pPr marL="0" indent="0" algn="l">
-              <a:buNone/>
-            </a:pPr>
-            <a:r>
-              <a:rPr lang="hu-HU" b="1" dirty="0">
-                <a:solidFill>
-                  <a:srgbClr val="FFFFFF"/>
-                </a:solidFill>
-                <a:latin typeface="Söhne"/>
-              </a:rPr>
-              <a:t>Függvények és metódusok: </a:t>
-            </a:r>
-            <a:r>
-              <a:rPr lang="hu-HU" b="0" i="0" dirty="0">
-                <a:solidFill>
-                  <a:srgbClr val="D1D5DB"/>
-                </a:solidFill>
-                <a:effectLst/>
-                <a:latin typeface="Söhne"/>
-              </a:rPr>
-              <a:t>A C# lehetővé teszi a függvények és metódusok definiálását, ami strukturált és </a:t>
-            </a:r>
-            <a:r>
-              <a:rPr lang="hu-HU" b="0" i="0" dirty="0" err="1">
-                <a:solidFill>
-                  <a:srgbClr val="D1D5DB"/>
-                </a:solidFill>
-                <a:effectLst/>
-                <a:latin typeface="Söhne"/>
-              </a:rPr>
-              <a:t>újrafelhasználható</a:t>
-            </a:r>
-            <a:r>
-              <a:rPr lang="hu-HU" b="0" i="0" dirty="0">
-                <a:solidFill>
-                  <a:srgbClr val="D1D5DB"/>
-                </a:solidFill>
-                <a:effectLst/>
-                <a:latin typeface="Söhne"/>
-              </a:rPr>
-              <a:t> kódot eredményez.</a:t>
-            </a:r>
-          </a:p>
-          <a:p>
-            <a:pPr marL="0" indent="0">
-              <a:buNone/>
-            </a:pPr>
-            <a:br>
-              <a:rPr lang="hu-HU" dirty="0"/>
-            </a:br>
-            <a:endParaRPr lang="hu-HU" b="1" dirty="0">
-              <a:solidFill>
-                <a:srgbClr val="FFFFFF"/>
-              </a:solidFill>
-              <a:latin typeface="Söhne"/>
-            </a:endParaRPr>
-          </a:p>
-          <a:p>
-            <a:pPr marL="0" indent="0">
-              <a:buNone/>
-            </a:pPr>
-            <a:endParaRPr lang="hu-HU" sz="2000" b="0" i="0" dirty="0">
-              <a:solidFill>
-                <a:srgbClr val="FFFFFF"/>
-              </a:solidFill>
-              <a:effectLst/>
-              <a:latin typeface="Söhne"/>
-            </a:endParaRPr>
-          </a:p>
-          <a:p>
-            <a:pPr marL="0" indent="0">
-              <a:buNone/>
-            </a:pPr>
-            <a:endParaRPr lang="hu-HU" dirty="0"/>
-          </a:p>
-        </p:txBody>
-      </p:sp>
+              <a:t>- Adattípusok</a:t>
+            </a:r>
+          </a:p>
+        </p:txBody>
+      </p:sp>
+      <p:pic>
+        <p:nvPicPr>
+          <p:cNvPr id="5" name="Kép 4" descr="A képen Grafika, Grafikus tervezés, kör, szimbólum látható&#10;&#10;Automatikusan generált leírás">
+            <a:extLst>
+              <a:ext uri="{FF2B5EF4-FFF2-40B4-BE49-F238E27FC236}">
+                <a16:creationId xmlns:a16="http://schemas.microsoft.com/office/drawing/2014/main" id="{ACF9984E-B600-767C-50D2-9A3E1B271705}"/>
+              </a:ext>
+            </a:extLst>
+          </p:cNvPr>
+          <p:cNvPicPr>
+            <a:picLocks noChangeAspect="1"/>
+          </p:cNvPicPr>
+          <p:nvPr/>
+        </p:nvPicPr>
+        <p:blipFill rotWithShape="1">
+          <a:blip r:embed="rId3"/>
+          <a:srcRect l="453" r="4412" b="-4"/>
+          <a:stretch/>
+        </p:blipFill>
+        <p:spPr>
+          <a:xfrm>
+            <a:off x="7551643" y="2052213"/>
+            <a:ext cx="3991900" cy="4196185"/>
+          </a:xfrm>
+          <a:prstGeom prst="rect">
+            <a:avLst/>
+          </a:prstGeom>
+          <a:effectLst>
+            <a:outerShdw blurRad="50800" dist="38100" dir="5400000" algn="t" rotWithShape="0">
+              <a:prstClr val="black">
+                <a:alpha val="43000"/>
+              </a:prstClr>
+            </a:outerShdw>
+          </a:effectLst>
+        </p:spPr>
+      </p:pic>
     </p:spTree>
     <p:extLst>
       <p:ext uri="{BB962C8B-B14F-4D97-AF65-F5344CB8AC3E}">
@@ -7550,7 +7566,7 @@
                 <a:effectLst/>
                 <a:latin typeface="Century Gothic" panose="020B0502020202020204" pitchFamily="34" charset="0"/>
               </a:rPr>
-              <a:t>Legkisebb elem kiválasztása egy tömbből (elmélet)</a:t>
+              <a:t>Legkisebb elem kiválasztása egy tömbből</a:t>
             </a:r>
             <a:endParaRPr lang="hu-HU" dirty="0"/>
           </a:p>
@@ -7582,10 +7598,19 @@
           <a:bodyPr/>
           <a:lstStyle/>
           <a:p>
-            <a:pPr algn="l">
-              <a:buFont typeface="+mj-lt"/>
-              <a:buAutoNum type="arabicPeriod"/>
+            <a:pPr marL="0" indent="0" algn="l">
+              <a:buNone/>
             </a:pPr>
+            <a:r>
+              <a:rPr lang="hu-HU" b="1" i="0" dirty="0">
+                <a:solidFill>
+                  <a:srgbClr val="D1D5DB"/>
+                </a:solidFill>
+                <a:effectLst/>
+                <a:latin typeface="Söhne"/>
+              </a:rPr>
+              <a:t>1. </a:t>
+            </a:r>
             <a:r>
               <a:rPr lang="hu-HU" b="1" i="0" dirty="0" err="1">
                 <a:solidFill>
@@ -7614,7 +7639,72 @@
                 <a:effectLst/>
                 <a:latin typeface="Söhne"/>
               </a:rPr>
-              <a:t> Az algoritmus kezdeti lépése a legkisebb elem tárolására szolgáló változó inicializálása.</a:t>
+              <a:t> Először az algoritmust </a:t>
+            </a:r>
+            <a:r>
+              <a:rPr lang="hu-HU" dirty="0">
+                <a:solidFill>
+                  <a:srgbClr val="D1D5DB"/>
+                </a:solidFill>
+                <a:latin typeface="Söhne"/>
+              </a:rPr>
+              <a:t>inicializáljuk. (elindítjuk)</a:t>
+            </a:r>
+          </a:p>
+          <a:p>
+            <a:pPr marL="0" indent="0" algn="l">
+              <a:buNone/>
+            </a:pPr>
+            <a:endParaRPr lang="hu-HU" b="0" i="0" dirty="0">
+              <a:solidFill>
+                <a:srgbClr val="D1D5DB"/>
+              </a:solidFill>
+              <a:effectLst/>
+              <a:latin typeface="Söhne"/>
+            </a:endParaRPr>
+          </a:p>
+          <a:p>
+            <a:pPr marL="0" indent="0" algn="l">
+              <a:buNone/>
+            </a:pPr>
+            <a:r>
+              <a:rPr lang="hu-HU" b="1" i="0" dirty="0">
+                <a:solidFill>
+                  <a:srgbClr val="D1D5DB"/>
+                </a:solidFill>
+                <a:effectLst/>
+                <a:latin typeface="Söhne"/>
+              </a:rPr>
+              <a:t>2. Tömb bejárása:</a:t>
+            </a:r>
+            <a:r>
+              <a:rPr lang="hu-HU" b="0" i="0" dirty="0">
+                <a:solidFill>
+                  <a:srgbClr val="D1D5DB"/>
+                </a:solidFill>
+                <a:effectLst/>
+                <a:latin typeface="Söhne"/>
+              </a:rPr>
+              <a:t> Az elemeket </a:t>
+            </a:r>
+            <a:r>
+              <a:rPr lang="hu-HU" dirty="0">
+                <a:solidFill>
+                  <a:srgbClr val="D1D5DB"/>
+                </a:solidFill>
+                <a:latin typeface="Söhne"/>
+              </a:rPr>
+              <a:t>ellenőrzi </a:t>
+            </a:r>
+            <a:r>
+              <a:rPr lang="hu-HU" b="0" i="0" dirty="0">
+                <a:solidFill>
+                  <a:srgbClr val="D1D5DB"/>
+                </a:solidFill>
+                <a:effectLst/>
+                <a:latin typeface="Söhne"/>
+              </a:rPr>
+              <a:t>az algoritmus majd összeveti őket a megadott feltételekkel.</a:t>
             </a:r>
           </a:p>
           <a:p>
@@ -7631,9 +7721,8 @@
             </a:endParaRPr>
           </a:p>
           <a:p>
-            <a:pPr algn="l">
-              <a:buFont typeface="+mj-lt"/>
-              <a:buAutoNum type="arabicPeriod"/>
+            <a:pPr marL="0" indent="0" algn="l">
+              <a:buNone/>
             </a:pPr>
             <a:r>
               <a:rPr lang="hu-HU" b="1" i="0" dirty="0">
@@ -7643,7 +7732,7 @@
                 <a:effectLst/>
                 <a:latin typeface="Söhne"/>
               </a:rPr>
-              <a:t>Tömb bejárása:</a:t>
+              <a:t>3. Frissítés:</a:t>
             </a:r>
             <a:r>
               <a:rPr lang="hu-HU" b="0" i="0" dirty="0">
@@ -7653,95 +7742,33 @@
                 <a:effectLst/>
                 <a:latin typeface="Söhne"/>
               </a:rPr>
-              <a:t> A tömb elemein való </a:t>
-            </a:r>
-            <a:r>
-              <a:rPr lang="hu-HU" b="0" i="0" dirty="0" err="1">
+              <a:t> Ha az aktuális elem kisebb, mint a tárolt érték, akkor frissíti a tárolt értéket az aktuális elemmel.</a:t>
+            </a:r>
+          </a:p>
+          <a:p>
+            <a:pPr marL="0" indent="0" algn="l">
+              <a:buNone/>
+            </a:pPr>
+            <a:endParaRPr lang="hu-HU" dirty="0">
+              <a:solidFill>
+                <a:srgbClr val="D1D5DB"/>
+              </a:solidFill>
+              <a:latin typeface="Söhne"/>
+            </a:endParaRPr>
+          </a:p>
+          <a:p>
+            <a:pPr marL="0" indent="0" algn="l">
+              <a:buNone/>
+            </a:pPr>
+            <a:r>
+              <a:rPr lang="hu-HU" b="1" i="0" dirty="0">
                 <a:solidFill>
                   <a:srgbClr val="D1D5DB"/>
                 </a:solidFill>
                 <a:effectLst/>
                 <a:latin typeface="Söhne"/>
               </a:rPr>
-              <a:t>végigiterálás</a:t>
-            </a:r>
-            <a:r>
-              <a:rPr lang="hu-HU" b="0" i="0" dirty="0">
-                <a:solidFill>
-                  <a:srgbClr val="D1D5DB"/>
-                </a:solidFill>
-                <a:effectLst/>
-                <a:latin typeface="Söhne"/>
-              </a:rPr>
-              <a:t>, és az aktuális elem összehasonlítása a tárolt legkisebb értékkel.</a:t>
-            </a:r>
-          </a:p>
-          <a:p>
-            <a:pPr algn="l">
-              <a:buFont typeface="+mj-lt"/>
-              <a:buAutoNum type="arabicPeriod"/>
-            </a:pPr>
-            <a:endParaRPr lang="hu-HU" b="0" i="0" dirty="0">
-              <a:solidFill>
-                <a:srgbClr val="D1D5DB"/>
-              </a:solidFill>
-              <a:effectLst/>
-              <a:latin typeface="Söhne"/>
-            </a:endParaRPr>
-          </a:p>
-          <a:p>
-            <a:pPr algn="l">
-              <a:buFont typeface="+mj-lt"/>
-              <a:buAutoNum type="arabicPeriod"/>
-            </a:pPr>
-            <a:r>
-              <a:rPr lang="hu-HU" b="1" i="0" dirty="0">
-                <a:solidFill>
-                  <a:srgbClr val="D1D5DB"/>
-                </a:solidFill>
-                <a:effectLst/>
-                <a:latin typeface="Söhne"/>
-              </a:rPr>
-              <a:t>Frissítés:</a:t>
-            </a:r>
-            <a:r>
-              <a:rPr lang="hu-HU" b="0" i="0" dirty="0">
-                <a:solidFill>
-                  <a:srgbClr val="D1D5DB"/>
-                </a:solidFill>
-                <a:effectLst/>
-                <a:latin typeface="Söhne"/>
-              </a:rPr>
-              <a:t> Ha az aktuális elem kisebb, mint a tárolt érték, akkor frissítjük a tárolt értéket az aktuális elemmel.</a:t>
-            </a:r>
-          </a:p>
-          <a:p>
-            <a:pPr algn="l">
-              <a:buFont typeface="+mj-lt"/>
-              <a:buAutoNum type="arabicPeriod"/>
-            </a:pPr>
-            <a:endParaRPr lang="hu-HU" b="0" i="0" dirty="0">
-              <a:solidFill>
-                <a:srgbClr val="D1D5DB"/>
-              </a:solidFill>
-              <a:effectLst/>
-              <a:latin typeface="Söhne"/>
-            </a:endParaRPr>
-          </a:p>
-          <a:p>
-            <a:pPr algn="l">
-              <a:buFont typeface="+mj-lt"/>
-              <a:buAutoNum type="arabicPeriod"/>
-            </a:pPr>
-            <a:r>
-              <a:rPr lang="hu-HU" b="1" i="0" dirty="0">
-                <a:solidFill>
-                  <a:srgbClr val="D1D5DB"/>
-                </a:solidFill>
-                <a:effectLst/>
-                <a:latin typeface="Söhne"/>
-              </a:rPr>
-              <a:t>Eredmény visszaadása:</a:t>
+              <a:t>4. Eredmény visszaadása:</a:t>
             </a:r>
             <a:r>
               <a:rPr lang="hu-HU" b="0" i="0" dirty="0">
@@ -7824,20 +7851,7 @@
                 <a:effectLst/>
                 <a:latin typeface="Century Gothic" panose="020B0502020202020204" pitchFamily="34" charset="0"/>
               </a:rPr>
-              <a:t>Legkisebb elem kiválasztása egy tömbből (</a:t>
-            </a:r>
-            <a:r>
-              <a:rPr lang="hu-HU" sz="4400" b="1" dirty="0">
-                <a:latin typeface="Century Gothic" panose="020B0502020202020204" pitchFamily="34" charset="0"/>
-              </a:rPr>
-              <a:t>példa</a:t>
-            </a:r>
-            <a:r>
-              <a:rPr lang="hu-HU" sz="4400" b="1" i="0" dirty="0">
-                <a:effectLst/>
-                <a:latin typeface="Century Gothic" panose="020B0502020202020204" pitchFamily="34" charset="0"/>
-              </a:rPr>
-              <a:t>)</a:t>
+              <a:t>Legkisebb elem kiválasztása egy tömbből</a:t>
             </a:r>
             <a:endParaRPr lang="hu-HU" dirty="0"/>
           </a:p>
@@ -8180,7 +8194,7 @@
                 <a:effectLst/>
                 <a:latin typeface="Century Gothic" panose="020B0502020202020204" pitchFamily="34" charset="0"/>
               </a:rPr>
-              <a:t>Legnagyobb elem kiválasztása egy tömbből (elmélet)</a:t>
+              <a:t>Legnagyobb elem kiválasztása egy tömbből </a:t>
             </a:r>
             <a:endParaRPr lang="hu-HU" dirty="0"/>
           </a:p>
@@ -8212,10 +8226,19 @@
           <a:bodyPr/>
           <a:lstStyle/>
           <a:p>
-            <a:pPr algn="l">
-              <a:buFont typeface="+mj-lt"/>
-              <a:buAutoNum type="arabicPeriod"/>
+            <a:pPr marL="0" indent="0" algn="l">
+              <a:buNone/>
             </a:pPr>
+            <a:r>
+              <a:rPr lang="hu-HU" b="1" i="0" dirty="0">
+                <a:solidFill>
+                  <a:srgbClr val="D1D5DB"/>
+                </a:solidFill>
+                <a:effectLst/>
+                <a:latin typeface="Söhne"/>
+              </a:rPr>
+              <a:t>1. </a:t>
+            </a:r>
             <a:r>
               <a:rPr lang="hu-HU" b="1" i="0" dirty="0" err="1">
                 <a:solidFill>
@@ -8244,7 +8267,72 @@
                 <a:effectLst/>
                 <a:latin typeface="Söhne"/>
               </a:rPr>
-              <a:t> Az algoritmus kezdeti lépése a legnagyobb elem tárolására szolgáló változó inicializálása.</a:t>
+              <a:t> Először az algoritmust </a:t>
+            </a:r>
+            <a:r>
+              <a:rPr lang="hu-HU" dirty="0">
+                <a:solidFill>
+                  <a:srgbClr val="D1D5DB"/>
+                </a:solidFill>
+                <a:latin typeface="Söhne"/>
+              </a:rPr>
+              <a:t>inicializáljuk. (elindítjuk)</a:t>
+            </a:r>
+          </a:p>
+          <a:p>
+            <a:pPr marL="0" indent="0" algn="l">
+              <a:buNone/>
+            </a:pPr>
+            <a:endParaRPr lang="hu-HU" b="0" i="0" dirty="0">
+              <a:solidFill>
+                <a:srgbClr val="D1D5DB"/>
+              </a:solidFill>
+              <a:effectLst/>
+              <a:latin typeface="Söhne"/>
+            </a:endParaRPr>
+          </a:p>
+          <a:p>
+            <a:pPr marL="0" indent="0" algn="l">
+              <a:buNone/>
+            </a:pPr>
+            <a:r>
+              <a:rPr lang="hu-HU" b="1" i="0" dirty="0">
+                <a:solidFill>
+                  <a:srgbClr val="D1D5DB"/>
+                </a:solidFill>
+                <a:effectLst/>
+                <a:latin typeface="Söhne"/>
+              </a:rPr>
+              <a:t>2. Tömb bejárása:</a:t>
+            </a:r>
+            <a:r>
+              <a:rPr lang="hu-HU" b="0" i="0" dirty="0">
+                <a:solidFill>
+                  <a:srgbClr val="D1D5DB"/>
+                </a:solidFill>
+                <a:effectLst/>
+                <a:latin typeface="Söhne"/>
+              </a:rPr>
+              <a:t> Az elemeket </a:t>
+            </a:r>
+            <a:r>
+              <a:rPr lang="hu-HU" dirty="0">
+                <a:solidFill>
+                  <a:srgbClr val="D1D5DB"/>
+                </a:solidFill>
+                <a:latin typeface="Söhne"/>
+              </a:rPr>
+              <a:t>ellenőrzi </a:t>
+            </a:r>
+            <a:r>
+              <a:rPr lang="hu-HU" b="0" i="0" dirty="0">
+                <a:solidFill>
+                  <a:srgbClr val="D1D5DB"/>
+                </a:solidFill>
+                <a:effectLst/>
+                <a:latin typeface="Söhne"/>
+              </a:rPr>
+              <a:t>az algoritmus majd összeveti őket a megadott feltételekkel.</a:t>
             </a:r>
           </a:p>
           <a:p>
@@ -8261,9 +8349,8 @@
             </a:endParaRPr>
           </a:p>
           <a:p>
-            <a:pPr algn="l">
-              <a:buFont typeface="+mj-lt"/>
-              <a:buAutoNum type="arabicPeriod"/>
+            <a:pPr marL="0" indent="0" algn="l">
+              <a:buNone/>
             </a:pPr>
             <a:r>
               <a:rPr lang="hu-HU" b="1" i="0" dirty="0">
@@ -8273,7 +8360,7 @@
                 <a:effectLst/>
                 <a:latin typeface="Söhne"/>
               </a:rPr>
-              <a:t>Tömb bejárása:</a:t>
+              <a:t>3. Frissítés:</a:t>
             </a:r>
             <a:r>
               <a:rPr lang="hu-HU" b="0" i="0" dirty="0">
@@ -8283,95 +8370,33 @@
                 <a:effectLst/>
                 <a:latin typeface="Söhne"/>
               </a:rPr>
-              <a:t> A tömb elemein való </a:t>
-            </a:r>
-            <a:r>
-              <a:rPr lang="hu-HU" b="0" i="0" dirty="0" err="1">
+              <a:t> Ha az aktuális elem kisebb, mint a tárolt érték, akkor frissíti a tárolt értéket az aktuális elemmel.</a:t>
+            </a:r>
+          </a:p>
+          <a:p>
+            <a:pPr marL="0" indent="0" algn="l">
+              <a:buNone/>
+            </a:pPr>
+            <a:endParaRPr lang="hu-HU" dirty="0">
+              <a:solidFill>
+                <a:srgbClr val="D1D5DB"/>
+              </a:solidFill>
+              <a:latin typeface="Söhne"/>
+            </a:endParaRPr>
+          </a:p>
+          <a:p>
+            <a:pPr marL="0" indent="0" algn="l">
+              <a:buNone/>
+            </a:pPr>
+            <a:r>
+              <a:rPr lang="hu-HU" b="1" i="0" dirty="0">
                 <a:solidFill>
                   <a:srgbClr val="D1D5DB"/>
                 </a:solidFill>
                 <a:effectLst/>
                 <a:latin typeface="Söhne"/>
               </a:rPr>
-              <a:t>végigiterálás</a:t>
-            </a:r>
-            <a:r>
-              <a:rPr lang="hu-HU" b="0" i="0" dirty="0">
-                <a:solidFill>
-                  <a:srgbClr val="D1D5DB"/>
-                </a:solidFill>
-                <a:effectLst/>
-                <a:latin typeface="Söhne"/>
-              </a:rPr>
-              <a:t>, és az aktuális elem összehasonlítása a tárolt legnagyobb értékkel.</a:t>
-            </a:r>
-          </a:p>
-          <a:p>
-            <a:pPr algn="l">
-              <a:buFont typeface="+mj-lt"/>
-              <a:buAutoNum type="arabicPeriod"/>
-            </a:pPr>
-            <a:endParaRPr lang="hu-HU" b="0" i="0" dirty="0">
-              <a:solidFill>
-                <a:srgbClr val="D1D5DB"/>
-              </a:solidFill>
-              <a:effectLst/>
-              <a:latin typeface="Söhne"/>
-            </a:endParaRPr>
-          </a:p>
-          <a:p>
-            <a:pPr algn="l">
-              <a:buFont typeface="+mj-lt"/>
-              <a:buAutoNum type="arabicPeriod"/>
-            </a:pPr>
-            <a:r>
-              <a:rPr lang="hu-HU" b="1" i="0" dirty="0">
-                <a:solidFill>
-                  <a:srgbClr val="D1D5DB"/>
-                </a:solidFill>
-                <a:effectLst/>
-                <a:latin typeface="Söhne"/>
-              </a:rPr>
-              <a:t>Frissítés:</a:t>
-            </a:r>
-            <a:r>
-              <a:rPr lang="hu-HU" b="0" i="0" dirty="0">
-                <a:solidFill>
-                  <a:srgbClr val="D1D5DB"/>
-                </a:solidFill>
-                <a:effectLst/>
-                <a:latin typeface="Söhne"/>
-              </a:rPr>
-              <a:t> Ha az aktuális elem nagyobb, mint a tárolt érték, akkor frissítjük a tárolt értéket az aktuális elemmel.</a:t>
-            </a:r>
-          </a:p>
-          <a:p>
-            <a:pPr algn="l">
-              <a:buFont typeface="+mj-lt"/>
-              <a:buAutoNum type="arabicPeriod"/>
-            </a:pPr>
-            <a:endParaRPr lang="hu-HU" b="0" i="0" dirty="0">
-              <a:solidFill>
-                <a:srgbClr val="D1D5DB"/>
-              </a:solidFill>
-              <a:effectLst/>
-              <a:latin typeface="Söhne"/>
-            </a:endParaRPr>
-          </a:p>
-          <a:p>
-            <a:pPr algn="l">
-              <a:buFont typeface="+mj-lt"/>
-              <a:buAutoNum type="arabicPeriod"/>
-            </a:pPr>
-            <a:r>
-              <a:rPr lang="hu-HU" b="1" i="0" dirty="0">
-                <a:solidFill>
-                  <a:srgbClr val="D1D5DB"/>
-                </a:solidFill>
-                <a:effectLst/>
-                <a:latin typeface="Söhne"/>
-              </a:rPr>
-              <a:t>Eredmény visszaadása:</a:t>
+              <a:t>4. Eredmény visszaadása:</a:t>
             </a:r>
             <a:r>
               <a:rPr lang="hu-HU" b="0" i="0" dirty="0">
@@ -8385,6 +8410,9 @@
             </a:r>
           </a:p>
           <a:p>
+            <a:pPr marL="0" indent="0">
+              <a:buNone/>
+            </a:pPr>
             <a:endParaRPr lang="hu-HU" dirty="0"/>
           </a:p>
         </p:txBody>
@@ -8457,7 +8485,7 @@
                 <a:effectLst/>
                 <a:latin typeface="Century Gothic" panose="020B0502020202020204" pitchFamily="34" charset="0"/>
               </a:rPr>
-              <a:t>Legnagyobb elem kiválasztása egy tömbből (példa)</a:t>
+              <a:t>Legnagyobb elem kiválasztása egy tömbbő</a:t>
             </a:r>
             <a:endParaRPr lang="hu-HU" dirty="0"/>
           </a:p>
@@ -8707,37 +8735,7 @@
               <a:rPr lang="hu-HU" b="1" i="0" dirty="0">
                 <a:effectLst/>
               </a:rPr>
-              <a:t>Legkisebb és legnagyobb </a:t>
-            </a:r>
-            <a:r>
-              <a:rPr lang="hu-HU" b="1" dirty="0"/>
-              <a:t>e</a:t>
-            </a:r>
-            <a:r>
-              <a:rPr lang="hu-HU" b="1" i="0" dirty="0">
-                <a:effectLst/>
-              </a:rPr>
-              <a:t>lem </a:t>
-            </a:r>
-            <a:r>
-              <a:rPr lang="hu-HU" b="1" dirty="0"/>
-              <a:t>k</a:t>
-            </a:r>
-            <a:r>
-              <a:rPr lang="hu-HU" b="1" i="0" dirty="0">
-                <a:effectLst/>
-              </a:rPr>
-              <a:t>iválasztásának </a:t>
-            </a:r>
-            <a:r>
-              <a:rPr lang="hu-HU" b="1" dirty="0"/>
-              <a:t>ö</a:t>
-            </a:r>
-            <a:r>
-              <a:rPr lang="hu-HU" b="1" i="0" dirty="0">
-                <a:effectLst/>
-              </a:rPr>
-              <a:t>sszehasonlítása</a:t>
+              <a:t>Összehasonlítás</a:t>
             </a:r>
             <a:br>
               <a:rPr lang="hu-HU" b="1" i="0" dirty="0">
@@ -8766,8 +8764,8 @@
         </p:nvSpPr>
         <p:spPr>
           <a:xfrm>
-            <a:off x="0" y="1621754"/>
-            <a:ext cx="12191999" cy="5127240"/>
+            <a:off x="0" y="731520"/>
+            <a:ext cx="12191999" cy="6017474"/>
           </a:xfrm>
         </p:spPr>
         <p:txBody>
@@ -8790,7 +8788,7 @@
                 <a:effectLst/>
                 <a:latin typeface="Söhne"/>
               </a:rPr>
-              <a:t>Idő- és Energiaköltség:</a:t>
+              <a:t>Idő és energia:</a:t>
             </a:r>
             <a:endParaRPr lang="hu-HU" b="0" i="0" dirty="0">
               <a:solidFill>
@@ -8815,7 +8813,26 @@
                 <a:effectLst/>
                 <a:latin typeface="Söhne"/>
               </a:rPr>
-              <a:t>Mindkét algoritmus lineáris időkomplexitással rendelkezik, ami azt jelenti, hogy az idő, amíg az eredmény elérhető lesz, arányos a tömb méretével.</a:t>
+              <a:t>Mindkét algoritmus lineáris időkomplexitással rendelkezik</a:t>
+            </a:r>
+            <a:r>
+              <a:rPr lang="hu-HU" dirty="0">
+                <a:solidFill>
+                  <a:srgbClr val="D1D5DB"/>
+                </a:solidFill>
+                <a:latin typeface="Söhne"/>
+              </a:rPr>
+              <a:t>. A</a:t>
+            </a:r>
+            <a:r>
+              <a:rPr lang="hu-HU" b="0" i="0" dirty="0">
+                <a:solidFill>
+                  <a:srgbClr val="D1D5DB"/>
+                </a:solidFill>
+                <a:effectLst/>
+                <a:latin typeface="Söhne"/>
+              </a:rPr>
+              <a:t>z idő, amíg az eredmény elkészül, arányos a tömb méretével.</a:t>
             </a:r>
           </a:p>
           <a:p>
@@ -8831,7 +8848,7 @@
                 <a:effectLst/>
                 <a:latin typeface="Söhne"/>
               </a:rPr>
-              <a:t>Az energetikai igény minimális, mivel mindkét algoritmus csak egyetlen bejárást igényel a tömbben.</a:t>
+              <a:t>Az energia igény minimális, mivel mindkét algoritmus csak egyetlen futtatást igényel.</a:t>
             </a:r>
           </a:p>
           <a:p>
@@ -8847,6 +8864,18 @@
             </a:endParaRPr>
           </a:p>
           <a:p>
+            <a:pPr marL="457200" lvl="1" indent="0" algn="l">
+              <a:buNone/>
+            </a:pPr>
+            <a:endParaRPr lang="hu-HU" b="0" i="0" dirty="0">
+              <a:solidFill>
+                <a:srgbClr val="D1D5DB"/>
+              </a:solidFill>
+              <a:effectLst/>
+              <a:latin typeface="Söhne"/>
+            </a:endParaRPr>
+          </a:p>
+          <a:p>
             <a:pPr algn="l">
               <a:buFont typeface="Arial" panose="020B0604020202020204" pitchFamily="34" charset="0"/>
               <a:buChar char="•"/>
@@ -8861,7 +8890,7 @@
                 <a:effectLst/>
                 <a:latin typeface="Söhne"/>
               </a:rPr>
-              <a:t>Felhasználási Területek:</a:t>
+              <a:t>Felhasználási területek:</a:t>
             </a:r>
             <a:endParaRPr lang="hu-HU" b="0" i="0" dirty="0">
               <a:solidFill>
@@ -8894,20 +8923,18 @@
               <a:buFont typeface="Arial" panose="020B0604020202020204" pitchFamily="34" charset="0"/>
               <a:buChar char="•"/>
             </a:pPr>
-            <a:r>
-              <a:rPr lang="hu-HU" b="0" i="0" dirty="0">
-                <a:solidFill>
-                  <a:srgbClr val="D1D5DB"/>
-                </a:solidFill>
-                <a:effectLst/>
-                <a:latin typeface="Söhne"/>
-              </a:rPr>
-              <a:t>Ha csak a legkisebb vagy a legnagyobb elemet kell megtalálni, mindkét algoritmus hatékony megoldást kínál.</a:t>
-            </a:r>
-          </a:p>
-          <a:p>
-            <a:pPr marL="457200" lvl="1" indent="0" algn="l">
-              <a:buNone/>
+            <a:endParaRPr lang="hu-HU" b="0" i="0" dirty="0">
+              <a:solidFill>
+                <a:srgbClr val="D1D5DB"/>
+              </a:solidFill>
+              <a:effectLst/>
+              <a:latin typeface="Söhne"/>
+            </a:endParaRPr>
+          </a:p>
+          <a:p>
+            <a:pPr marL="742950" lvl="1" indent="-285750" algn="l">
+              <a:buFont typeface="Arial" panose="020B0604020202020204" pitchFamily="34" charset="0"/>
+              <a:buChar char="•"/>
             </a:pPr>
             <a:endParaRPr lang="hu-HU" b="0" i="0" dirty="0">
               <a:solidFill>
@@ -8932,7 +8959,7 @@
                 <a:effectLst/>
                 <a:latin typeface="Söhne"/>
               </a:rPr>
-              <a:t>Optimalizációs Lehetőségek:</a:t>
+              <a:t>Optimalizáció:</a:t>
             </a:r>
             <a:endParaRPr lang="hu-HU" b="0" i="0" dirty="0">
               <a:solidFill>
@@ -8957,7 +8984,26 @@
                 <a:effectLst/>
                 <a:latin typeface="Söhne"/>
               </a:rPr>
-              <a:t>Az algoritmusok egyszerűek és gyorsak, kevés optimalizációs lehetőségük van.</a:t>
+              <a:t>Az algoritmusok egyszerűek és gyorsak</a:t>
+            </a:r>
+            <a:r>
+              <a:rPr lang="hu-HU" dirty="0">
+                <a:solidFill>
+                  <a:srgbClr val="D1D5DB"/>
+                </a:solidFill>
+                <a:latin typeface="Söhne"/>
+              </a:rPr>
+              <a:t> ezért </a:t>
+            </a:r>
+            <a:r>
+              <a:rPr lang="hu-HU" b="0" i="0" dirty="0">
+                <a:solidFill>
+                  <a:srgbClr val="D1D5DB"/>
+                </a:solidFill>
+                <a:effectLst/>
+                <a:latin typeface="Söhne"/>
+              </a:rPr>
+              <a:t>kevés optimalizációs lehetőségük van.</a:t>
             </a:r>
           </a:p>
           <a:p>
@@ -8973,7 +9019,7 @@
                 <a:effectLst/>
                 <a:latin typeface="Söhne"/>
               </a:rPr>
-              <a:t>A kódok hatékonyak, de további optimalizációra van lehetőség, például párhuzamosítás vagy speciális esetek kezelése során.</a:t>
+              <a:t>A kódok hatékonyak, de lehet őket optimalizálni párhuzamosítás vagy speciális esetek kezelése során.</a:t>
             </a:r>
           </a:p>
           <a:p>
@@ -9083,8 +9129,8 @@
         </p:nvSpPr>
         <p:spPr>
           <a:xfrm>
-            <a:off x="640325" y="1179560"/>
-            <a:ext cx="10888060" cy="5024470"/>
+            <a:off x="-1" y="1179560"/>
+            <a:ext cx="12191999" cy="5024470"/>
           </a:xfrm>
         </p:spPr>
         <p:txBody>
@@ -9104,8 +9150,30 @@
                 <a:effectLst/>
                 <a:latin typeface="Söhne"/>
               </a:rPr>
-              <a:t>Mindkét algoritmus hatékonyan működik és gyakran alkalmazzák az adatelemzési feladatok során.</a:t>
-            </a:r>
+              <a:t>Mindkét algoritmus hatékonyan működik és gyakran alkalmazzák az adatelemzési feladatok során. </a:t>
+            </a:r>
+            <a:endParaRPr lang="hu-HU" sz="2400" dirty="0">
+              <a:solidFill>
+                <a:schemeClr val="tx1">
+                  <a:lumMod val="95000"/>
+                </a:schemeClr>
+              </a:solidFill>
+              <a:latin typeface="Söhne"/>
+            </a:endParaRPr>
+          </a:p>
+          <a:p>
+            <a:pPr marL="0" indent="0" algn="l">
+              <a:buNone/>
+            </a:pPr>
+            <a:endParaRPr lang="hu-HU" sz="2400" b="0" i="0" dirty="0">
+              <a:solidFill>
+                <a:schemeClr val="tx1">
+                  <a:lumMod val="95000"/>
+                </a:schemeClr>
+              </a:solidFill>
+              <a:effectLst/>
+              <a:latin typeface="Söhne"/>
+            </a:endParaRPr>
           </a:p>
           <a:p>
             <a:pPr marL="0" indent="0" algn="l">
@@ -9121,7 +9189,7 @@
                 <a:effectLst/>
                 <a:latin typeface="Söhne"/>
               </a:rPr>
-              <a:t> Az idő- és energetikai követelményeik minimálisak, így ideálisak nagy adathalmazok kezelésére. </a:t>
+              <a:t>Az algoritmus a felhasználástól és a programozói preferenciáktól függ.</a:t>
             </a:r>
           </a:p>
           <a:p>
@@ -9138,24 +9206,30 @@
                 <a:effectLst/>
                 <a:latin typeface="Söhne"/>
               </a:rPr>
-              <a:t>A választás a konkrét felhasználási esetektől és a programozói preferenciáktól függ. </a:t>
-            </a:r>
-          </a:p>
-          <a:p>
-            <a:pPr marL="0" indent="0" algn="l">
-              <a:buNone/>
-            </a:pPr>
-            <a:r>
-              <a:rPr lang="hu-HU" sz="2400" b="0" i="0" dirty="0">
+              <a:t>Az egyszerűség és a könnyű karbantarthatóság miatt mindkét algoritmus széles körb</a:t>
+            </a:r>
+            <a:r>
+              <a:rPr lang="hu-HU" sz="2400" dirty="0">
                 <a:solidFill>
                   <a:schemeClr val="tx1">
                     <a:lumMod val="95000"/>
                   </a:schemeClr>
                 </a:solidFill>
+                <a:latin typeface="Söhne"/>
+              </a:rPr>
+              <a:t>en </a:t>
+            </a:r>
+            <a:r>
+              <a:rPr lang="hu-HU" sz="2400" b="0" i="0" dirty="0">
+                <a:solidFill>
+                  <a:schemeClr val="tx1">
+                    <a:lumMod val="95000"/>
+                  </a:schemeClr>
+                </a:solidFill>
                 <a:effectLst/>
                 <a:latin typeface="Söhne"/>
               </a:rPr>
-              <a:t>Az egyszerűség és a könnyű karbantarthatóság miatt mindkét algoritmus széles körben elfogadott és használt.</a:t>
+              <a:t>használt.</a:t>
             </a:r>
           </a:p>
           <a:p>
@@ -9185,7 +9259,7 @@
         </p:blipFill>
         <p:spPr>
           <a:xfrm>
-            <a:off x="4312776" y="3865416"/>
+            <a:off x="3196932" y="3578034"/>
             <a:ext cx="5798131" cy="2992584"/>
           </a:xfrm>
           <a:prstGeom prst="rect">
